--- a/WonderfuClothesSell_Lib/powerpointandOthers/5626黃勝新專題簡報.pptx
+++ b/WonderfuClothesSell_Lib/powerpointandOthers/5626黃勝新專題簡報.pptx
@@ -725,6 +725,120 @@
     <p:extLst>
       <p:ext uri="{BB962C8B-B14F-4D97-AF65-F5344CB8AC3E}">
         <p14:creationId xmlns:p14="http://schemas.microsoft.com/office/powerpoint/2010/main" val="2811276466"/>
+      </p:ext>
+    </p:extLst>
+  </p:cSld>
+  <p:clrMapOvr>
+    <a:masterClrMapping/>
+  </p:clrMapOvr>
+</p:notes>
+</file>
+
+<file path=ppt/notesSlides/notesSlide4.xml><?xml version="1.0" encoding="utf-8"?>
+<p:notes xmlns:a="http://schemas.openxmlformats.org/drawingml/2006/main" xmlns:r="http://schemas.openxmlformats.org/officeDocument/2006/relationships" xmlns:p="http://schemas.openxmlformats.org/presentationml/2006/main">
+  <p:cSld>
+    <p:spTree>
+      <p:nvGrpSpPr>
+        <p:cNvPr id="1" name=""/>
+        <p:cNvGrpSpPr/>
+        <p:nvPr/>
+      </p:nvGrpSpPr>
+      <p:grpSpPr>
+        <a:xfrm>
+          <a:off x="0" y="0"/>
+          <a:ext cx="0" cy="0"/>
+          <a:chOff x="0" y="0"/>
+          <a:chExt cx="0" cy="0"/>
+        </a:xfrm>
+      </p:grpSpPr>
+      <p:sp>
+        <p:nvSpPr>
+          <p:cNvPr id="2" name="投影片影像版面配置區 1"/>
+          <p:cNvSpPr>
+            <a:spLocks noGrp="1" noRot="1" noChangeAspect="1"/>
+          </p:cNvSpPr>
+          <p:nvPr>
+            <p:ph type="sldImg"/>
+          </p:nvPr>
+        </p:nvSpPr>
+        <p:spPr/>
+      </p:sp>
+      <p:sp>
+        <p:nvSpPr>
+          <p:cNvPr id="3" name="備忘稿版面配置區 2"/>
+          <p:cNvSpPr>
+            <a:spLocks noGrp="1"/>
+          </p:cNvSpPr>
+          <p:nvPr>
+            <p:ph type="body" idx="1"/>
+          </p:nvPr>
+        </p:nvSpPr>
+        <p:spPr/>
+        <p:txBody>
+          <a:bodyPr/>
+          <a:lstStyle/>
+          <a:p>
+            <a:r>
+              <a:rPr lang="en-US" altLang="zh-TW" dirty="0"/>
+              <a:t>servlet</a:t>
+            </a:r>
+            <a:r>
+              <a:rPr lang="zh-TW" altLang="en-US" dirty="0"/>
+              <a:t>檢查資料核對驗證碼</a:t>
+            </a:r>
+            <a:endParaRPr lang="en-US" altLang="zh-TW" dirty="0"/>
+          </a:p>
+          <a:p>
+            <a:r>
+              <a:rPr lang="en-US" altLang="zh-TW" dirty="0"/>
+              <a:t>Service</a:t>
+            </a:r>
+            <a:r>
+              <a:rPr lang="zh-TW" altLang="en-US" dirty="0"/>
+              <a:t>在資料回來時檢查</a:t>
+            </a:r>
+            <a:r>
+              <a:rPr lang="en-US" altLang="zh-TW" dirty="0"/>
+              <a:t>member</a:t>
+            </a:r>
+            <a:r>
+              <a:rPr lang="zh-TW" altLang="en-US" dirty="0"/>
+              <a:t>中的密碼和前端傳來的密碼是否相同</a:t>
+            </a:r>
+            <a:endParaRPr lang="en-US" altLang="zh-TW" dirty="0"/>
+          </a:p>
+          <a:p>
+            <a:endParaRPr lang="zh-TW" altLang="en-US" dirty="0"/>
+          </a:p>
+        </p:txBody>
+      </p:sp>
+      <p:sp>
+        <p:nvSpPr>
+          <p:cNvPr id="4" name="投影片編號版面配置區 3"/>
+          <p:cNvSpPr>
+            <a:spLocks noGrp="1"/>
+          </p:cNvSpPr>
+          <p:nvPr>
+            <p:ph type="sldNum" sz="quarter" idx="5"/>
+          </p:nvPr>
+        </p:nvSpPr>
+        <p:spPr/>
+        <p:txBody>
+          <a:bodyPr/>
+          <a:lstStyle/>
+          <a:p>
+            <a:fld id="{1FDCF383-DE84-4D37-89F0-5A8B14E09BA6}" type="slidenum">
+              <a:rPr lang="zh-TW" altLang="en-US" smtClean="0"/>
+              <a:t>10</a:t>
+            </a:fld>
+            <a:endParaRPr lang="zh-TW" altLang="en-US"/>
+          </a:p>
+        </p:txBody>
+      </p:sp>
+    </p:spTree>
+    <p:extLst>
+      <p:ext uri="{BB962C8B-B14F-4D97-AF65-F5344CB8AC3E}">
+        <p14:creationId xmlns:p14="http://schemas.microsoft.com/office/powerpoint/2010/main" val="1252710563"/>
       </p:ext>
     </p:extLst>
   </p:cSld>
@@ -4340,7 +4454,7 @@
           <p:nvPr/>
         </p:nvPicPr>
         <p:blipFill>
-          <a:blip r:embed="rId2" cstate="email">
+          <a:blip r:embed="rId3" cstate="email">
             <a:extLst>
               <a:ext uri="{28A0092B-C50C-407E-A947-70E740481C1C}">
                 <a14:useLocalDpi xmlns:a14="http://schemas.microsoft.com/office/drawing/2010/main"/>
@@ -6917,6 +7031,28 @@
               </a:rPr>
               <a:t>Warm Cuisine Site</a:t>
             </a:r>
+            <a:endParaRPr lang="en-US" altLang="zh-TW" sz="4800" dirty="0"/>
+          </a:p>
+          <a:p>
+            <a:pPr marL="0" indent="0" algn="ctr">
+              <a:buNone/>
+            </a:pPr>
+            <a:r>
+              <a:rPr lang="en-US" altLang="zh-TW" sz="4800" dirty="0">
+                <a:hlinkClick r:id="rId3"/>
+              </a:rPr>
+              <a:t>Warm Cuisine Site</a:t>
+            </a:r>
+            <a:r>
+              <a:rPr lang="en-US" altLang="zh-TW" sz="4800" dirty="0"/>
+              <a:t>1</a:t>
+            </a:r>
+            <a:endParaRPr lang="zh-TW" altLang="en-US" sz="4800" dirty="0"/>
+          </a:p>
+          <a:p>
+            <a:pPr marL="0" indent="0" algn="ctr">
+              <a:buNone/>
+            </a:pPr>
             <a:endParaRPr lang="zh-TW" altLang="en-US" sz="4800" dirty="0"/>
           </a:p>
         </p:txBody>

--- a/WonderfuClothesSell_Lib/powerpointandOthers/5626黃勝新專題簡報.pptx
+++ b/WonderfuClothesSell_Lib/powerpointandOthers/5626黃勝新專題簡報.pptx
@@ -17,8 +17,8 @@
     <p:sldId id="263" r:id="rId8"/>
     <p:sldId id="266" r:id="rId9"/>
     <p:sldId id="267" r:id="rId10"/>
-    <p:sldId id="258" r:id="rId11"/>
-    <p:sldId id="268" r:id="rId12"/>
+    <p:sldId id="268" r:id="rId11"/>
+    <p:sldId id="258" r:id="rId12"/>
   </p:sldIdLst>
   <p:sldSz cx="12192000" cy="6858000"/>
   <p:notesSz cx="6858000" cy="9144000"/>
@@ -207,7 +207,7 @@
           <a:p>
             <a:fld id="{CB0DEFE0-A8B1-46EF-9CEA-65C89DD88C00}" type="datetimeFigureOut">
               <a:rPr lang="zh-TW" altLang="en-US" smtClean="0"/>
-              <a:t>2022/12/6</a:t>
+              <a:t>2022/12/7</a:t>
             </a:fld>
             <a:endParaRPr lang="zh-TW" altLang="en-US"/>
           </a:p>
@@ -829,7 +829,7 @@
           <a:p>
             <a:fld id="{1FDCF383-DE84-4D37-89F0-5A8B14E09BA6}" type="slidenum">
               <a:rPr lang="zh-TW" altLang="en-US" smtClean="0"/>
-              <a:t>10</a:t>
+              <a:t>11</a:t>
             </a:fld>
             <a:endParaRPr lang="zh-TW" altLang="en-US"/>
           </a:p>
@@ -1003,7 +1003,7 @@
           <a:p>
             <a:fld id="{E5C2F2D6-D0C4-4C10-98FE-4353D84B242C}" type="datetime1">
               <a:rPr lang="zh-TW" altLang="en-US" smtClean="0"/>
-              <a:t>2022/12/6</a:t>
+              <a:t>2022/12/7</a:t>
             </a:fld>
             <a:endParaRPr lang="zh-TW" altLang="en-US"/>
           </a:p>
@@ -1220,7 +1220,7 @@
           <a:p>
             <a:fld id="{BF7CD8F4-7676-423C-8B62-81BBA654053F}" type="datetime1">
               <a:rPr lang="zh-TW" altLang="en-US" smtClean="0"/>
-              <a:t>2022/12/6</a:t>
+              <a:t>2022/12/7</a:t>
             </a:fld>
             <a:endParaRPr lang="zh-TW" altLang="en-US"/>
           </a:p>
@@ -1444,7 +1444,7 @@
           <a:p>
             <a:fld id="{0039AD31-D9E6-4EDD-81E6-99F6DE8367E9}" type="datetime1">
               <a:rPr lang="zh-TW" altLang="en-US" smtClean="0"/>
-              <a:t>2022/12/6</a:t>
+              <a:t>2022/12/7</a:t>
             </a:fld>
             <a:endParaRPr lang="zh-TW" altLang="en-US"/>
           </a:p>
@@ -1658,7 +1658,7 @@
           <a:p>
             <a:fld id="{9D0D5E5B-41B6-4C59-9D47-5ED56D720AF1}" type="datetime1">
               <a:rPr lang="zh-TW" altLang="en-US" smtClean="0"/>
-              <a:t>2022/12/6</a:t>
+              <a:t>2022/12/7</a:t>
             </a:fld>
             <a:endParaRPr lang="zh-TW" altLang="en-US"/>
           </a:p>
@@ -1952,7 +1952,7 @@
           <a:p>
             <a:fld id="{821D32EC-85A2-4AD6-968D-6C64D29CDEA1}" type="datetime1">
               <a:rPr lang="zh-TW" altLang="en-US" smtClean="0"/>
-              <a:t>2022/12/6</a:t>
+              <a:t>2022/12/7</a:t>
             </a:fld>
             <a:endParaRPr lang="zh-TW" altLang="en-US"/>
           </a:p>
@@ -2233,7 +2233,7 @@
           <a:p>
             <a:fld id="{4CC25AD2-47E8-4EB9-8B83-7D28D4220C6E}" type="datetime1">
               <a:rPr lang="zh-TW" altLang="en-US" smtClean="0"/>
-              <a:t>2022/12/6</a:t>
+              <a:t>2022/12/7</a:t>
             </a:fld>
             <a:endParaRPr lang="zh-TW" altLang="en-US"/>
           </a:p>
@@ -2661,7 +2661,7 @@
           <a:p>
             <a:fld id="{67E283B5-50CE-4725-9D4E-242938B8C61D}" type="datetime1">
               <a:rPr lang="zh-TW" altLang="en-US" smtClean="0"/>
-              <a:t>2022/12/6</a:t>
+              <a:t>2022/12/7</a:t>
             </a:fld>
             <a:endParaRPr lang="zh-TW" altLang="en-US"/>
           </a:p>
@@ -2818,7 +2818,7 @@
           <a:p>
             <a:fld id="{1B002C4C-D1F7-41B6-92C8-5FC7B8BF69A5}" type="datetime1">
               <a:rPr lang="zh-TW" altLang="en-US" smtClean="0"/>
-              <a:t>2022/12/6</a:t>
+              <a:t>2022/12/7</a:t>
             </a:fld>
             <a:endParaRPr lang="zh-TW" altLang="en-US"/>
           </a:p>
@@ -2947,7 +2947,7 @@
           <a:p>
             <a:fld id="{DE8C6C14-C704-48B9-9341-AA65A632B3BD}" type="datetime1">
               <a:rPr lang="zh-TW" altLang="en-US" smtClean="0"/>
-              <a:t>2022/12/6</a:t>
+              <a:t>2022/12/7</a:t>
             </a:fld>
             <a:endParaRPr lang="zh-TW" altLang="en-US"/>
           </a:p>
@@ -3274,7 +3274,7 @@
           <a:p>
             <a:fld id="{2D41ADF5-0E8C-435C-88E1-14701D172DFD}" type="datetime1">
               <a:rPr lang="zh-TW" altLang="en-US" smtClean="0"/>
-              <a:t>2022/12/6</a:t>
+              <a:t>2022/12/7</a:t>
             </a:fld>
             <a:endParaRPr lang="zh-TW" altLang="en-US"/>
           </a:p>
@@ -3578,7 +3578,7 @@
           <a:p>
             <a:fld id="{8E0B69F5-025B-4FD9-ADC1-FA0E6D715AD1}" type="datetime1">
               <a:rPr lang="zh-TW" altLang="en-US" smtClean="0"/>
-              <a:t>2022/12/6</a:t>
+              <a:t>2022/12/7</a:t>
             </a:fld>
             <a:endParaRPr lang="zh-TW" altLang="en-US"/>
           </a:p>
@@ -4439,48 +4439,12 @@
           <a:chExt cx="0" cy="0"/>
         </a:xfrm>
       </p:grpSpPr>
-      <p:pic>
-        <p:nvPicPr>
-          <p:cNvPr id="9" name="圖片 8">
-            <a:extLst>
-              <a:ext uri="{FF2B5EF4-FFF2-40B4-BE49-F238E27FC236}">
-                <a16:creationId xmlns:a16="http://schemas.microsoft.com/office/drawing/2014/main" id="{A73A2E44-3435-805D-8662-C785212D92B5}"/>
-              </a:ext>
-            </a:extLst>
-          </p:cNvPr>
-          <p:cNvPicPr>
-            <a:picLocks noChangeAspect="1"/>
-          </p:cNvPicPr>
-          <p:nvPr/>
-        </p:nvPicPr>
-        <p:blipFill>
-          <a:blip r:embed="rId3" cstate="email">
-            <a:extLst>
-              <a:ext uri="{28A0092B-C50C-407E-A947-70E740481C1C}">
-                <a14:useLocalDpi xmlns:a14="http://schemas.microsoft.com/office/drawing/2010/main"/>
-              </a:ext>
-            </a:extLst>
-          </a:blip>
-          <a:stretch>
-            <a:fillRect/>
-          </a:stretch>
-        </p:blipFill>
-        <p:spPr>
-          <a:xfrm>
-            <a:off x="1313574" y="2614885"/>
-            <a:ext cx="9629728" cy="4034076"/>
-          </a:xfrm>
-          <a:prstGeom prst="rect">
-            <a:avLst/>
-          </a:prstGeom>
-        </p:spPr>
-      </p:pic>
       <p:sp>
         <p:nvSpPr>
           <p:cNvPr id="2" name="標題 1">
             <a:extLst>
               <a:ext uri="{FF2B5EF4-FFF2-40B4-BE49-F238E27FC236}">
-                <a16:creationId xmlns:a16="http://schemas.microsoft.com/office/drawing/2014/main" id="{07959772-F713-9644-F918-BCA7CC639AC7}"/>
+                <a16:creationId xmlns:a16="http://schemas.microsoft.com/office/drawing/2014/main" id="{AC7E7472-21D5-752D-C98C-7E77FFA30E8C}"/>
               </a:ext>
             </a:extLst>
           </p:cNvPr>
@@ -4498,38 +4462,11 @@
           <a:p>
             <a:r>
               <a:rPr lang="en-US" altLang="zh-TW" dirty="0"/>
-              <a:t>Component Diagram</a:t>
+              <a:t>bitwise</a:t>
             </a:r>
             <a:r>
               <a:rPr lang="zh-TW" altLang="en-US" dirty="0"/>
-              <a:t> </a:t>
-            </a:r>
-            <a:r>
-              <a:rPr lang="en-US" altLang="zh-TW" dirty="0"/>
-              <a:t>-</a:t>
-            </a:r>
-            <a:r>
-              <a:rPr lang="zh-TW" altLang="en-US" dirty="0"/>
-              <a:t> </a:t>
-            </a:r>
-            <a:r>
-              <a:rPr lang="en-US" altLang="zh-TW" dirty="0"/>
-              <a:t>E01</a:t>
-            </a:r>
-            <a:r>
-              <a:rPr lang="zh-TW" altLang="en-US" dirty="0"/>
-              <a:t>會員登入</a:t>
-            </a:r>
-            <a:br>
-              <a:rPr lang="en-US" altLang="zh-TW" dirty="0"/>
-            </a:br>
-            <a:r>
-              <a:rPr lang="en-US" altLang="zh-TW" dirty="0"/>
-              <a:t>MVC</a:t>
-            </a:r>
-            <a:r>
-              <a:rPr lang="zh-TW" altLang="en-US" dirty="0"/>
-              <a:t>架構</a:t>
+              <a:t>訂位系統</a:t>
             </a:r>
           </a:p>
         </p:txBody>
@@ -4539,7 +4476,7 @@
           <p:cNvPr id="4" name="投影片編號版面配置區 3">
             <a:extLst>
               <a:ext uri="{FF2B5EF4-FFF2-40B4-BE49-F238E27FC236}">
-                <a16:creationId xmlns:a16="http://schemas.microsoft.com/office/drawing/2014/main" id="{87E8FA91-CFA3-A051-57C7-A79EE628459E}"/>
+                <a16:creationId xmlns:a16="http://schemas.microsoft.com/office/drawing/2014/main" id="{B73F64A5-BCDD-5352-A1D6-1EDE43F247D3}"/>
               </a:ext>
             </a:extLst>
           </p:cNvPr>
@@ -4558,252 +4495,6 @@
             <a:fld id="{1512FE53-A680-4333-9DFA-B0DA6636F011}" type="slidenum">
               <a:rPr lang="zh-TW" altLang="en-US" smtClean="0"/>
               <a:t>10</a:t>
-            </a:fld>
-            <a:endParaRPr lang="zh-TW" altLang="en-US"/>
-          </a:p>
-        </p:txBody>
-      </p:sp>
-      <p:sp>
-        <p:nvSpPr>
-          <p:cNvPr id="5" name="頁尾版面配置區 4">
-            <a:extLst>
-              <a:ext uri="{FF2B5EF4-FFF2-40B4-BE49-F238E27FC236}">
-                <a16:creationId xmlns:a16="http://schemas.microsoft.com/office/drawing/2014/main" id="{548C46B7-CDD7-562C-6BDB-2110934BA10A}"/>
-              </a:ext>
-            </a:extLst>
-          </p:cNvPr>
-          <p:cNvSpPr>
-            <a:spLocks noGrp="1"/>
-          </p:cNvSpPr>
-          <p:nvPr>
-            <p:ph type="ftr" sz="quarter" idx="11"/>
-          </p:nvPr>
-        </p:nvSpPr>
-        <p:spPr/>
-        <p:txBody>
-          <a:bodyPr/>
-          <a:lstStyle/>
-          <a:p>
-            <a:r>
-              <a:rPr lang="zh-TW" altLang="en-US" dirty="0"/>
-              <a:t>發表人員：黃勝新</a:t>
-            </a:r>
-          </a:p>
-        </p:txBody>
-      </p:sp>
-      <p:sp>
-        <p:nvSpPr>
-          <p:cNvPr id="10" name="文字方塊 9">
-            <a:extLst>
-              <a:ext uri="{FF2B5EF4-FFF2-40B4-BE49-F238E27FC236}">
-                <a16:creationId xmlns:a16="http://schemas.microsoft.com/office/drawing/2014/main" id="{58B76560-94E1-9CE6-5879-02C0CB6BB215}"/>
-              </a:ext>
-            </a:extLst>
-          </p:cNvPr>
-          <p:cNvSpPr txBox="1"/>
-          <p:nvPr/>
-        </p:nvSpPr>
-        <p:spPr>
-          <a:xfrm>
-            <a:off x="2152650" y="4631923"/>
-            <a:ext cx="648383" cy="369332"/>
-          </a:xfrm>
-          <a:prstGeom prst="rect">
-            <a:avLst/>
-          </a:prstGeom>
-          <a:noFill/>
-        </p:spPr>
-        <p:txBody>
-          <a:bodyPr wrap="none" rtlCol="0">
-            <a:spAutoFit/>
-          </a:bodyPr>
-          <a:lstStyle/>
-          <a:p>
-            <a:r>
-              <a:rPr lang="en-US" altLang="zh-TW" dirty="0">
-                <a:solidFill>
-                  <a:srgbClr val="FF0000"/>
-                </a:solidFill>
-              </a:rPr>
-              <a:t>View</a:t>
-            </a:r>
-            <a:endParaRPr lang="zh-TW" altLang="en-US" dirty="0">
-              <a:solidFill>
-                <a:srgbClr val="FF0000"/>
-              </a:solidFill>
-            </a:endParaRPr>
-          </a:p>
-        </p:txBody>
-      </p:sp>
-      <p:sp>
-        <p:nvSpPr>
-          <p:cNvPr id="11" name="文字方塊 10">
-            <a:extLst>
-              <a:ext uri="{FF2B5EF4-FFF2-40B4-BE49-F238E27FC236}">
-                <a16:creationId xmlns:a16="http://schemas.microsoft.com/office/drawing/2014/main" id="{64B87B74-349F-7671-E2AB-CE6C80B3950A}"/>
-              </a:ext>
-            </a:extLst>
-          </p:cNvPr>
-          <p:cNvSpPr txBox="1"/>
-          <p:nvPr/>
-        </p:nvSpPr>
-        <p:spPr>
-          <a:xfrm>
-            <a:off x="3838575" y="2173040"/>
-            <a:ext cx="1126206" cy="369332"/>
-          </a:xfrm>
-          <a:prstGeom prst="rect">
-            <a:avLst/>
-          </a:prstGeom>
-          <a:noFill/>
-        </p:spPr>
-        <p:txBody>
-          <a:bodyPr wrap="none" rtlCol="0">
-            <a:spAutoFit/>
-          </a:bodyPr>
-          <a:lstStyle/>
-          <a:p>
-            <a:r>
-              <a:rPr lang="en-US" altLang="zh-TW" dirty="0">
-                <a:solidFill>
-                  <a:srgbClr val="FF0000"/>
-                </a:solidFill>
-              </a:rPr>
-              <a:t>Controller</a:t>
-            </a:r>
-            <a:endParaRPr lang="zh-TW" altLang="en-US" dirty="0">
-              <a:solidFill>
-                <a:srgbClr val="FF0000"/>
-              </a:solidFill>
-            </a:endParaRPr>
-          </a:p>
-        </p:txBody>
-      </p:sp>
-      <p:sp>
-        <p:nvSpPr>
-          <p:cNvPr id="12" name="文字方塊 11">
-            <a:extLst>
-              <a:ext uri="{FF2B5EF4-FFF2-40B4-BE49-F238E27FC236}">
-                <a16:creationId xmlns:a16="http://schemas.microsoft.com/office/drawing/2014/main" id="{6000A037-8C9F-A97B-2159-48D41E6E12A3}"/>
-              </a:ext>
-            </a:extLst>
-          </p:cNvPr>
-          <p:cNvSpPr txBox="1"/>
-          <p:nvPr/>
-        </p:nvSpPr>
-        <p:spPr>
-          <a:xfrm>
-            <a:off x="6657975" y="4631923"/>
-            <a:ext cx="793807" cy="369332"/>
-          </a:xfrm>
-          <a:prstGeom prst="rect">
-            <a:avLst/>
-          </a:prstGeom>
-          <a:noFill/>
-        </p:spPr>
-        <p:txBody>
-          <a:bodyPr wrap="none" rtlCol="0">
-            <a:spAutoFit/>
-          </a:bodyPr>
-          <a:lstStyle/>
-          <a:p>
-            <a:r>
-              <a:rPr lang="en-US" altLang="zh-TW" dirty="0">
-                <a:solidFill>
-                  <a:srgbClr val="FF0000"/>
-                </a:solidFill>
-              </a:rPr>
-              <a:t>Model</a:t>
-            </a:r>
-          </a:p>
-        </p:txBody>
-      </p:sp>
-    </p:spTree>
-    <p:extLst>
-      <p:ext uri="{BB962C8B-B14F-4D97-AF65-F5344CB8AC3E}">
-        <p14:creationId xmlns:p14="http://schemas.microsoft.com/office/powerpoint/2010/main" val="3107426003"/>
-      </p:ext>
-    </p:extLst>
-  </p:cSld>
-  <p:clrMapOvr>
-    <a:masterClrMapping/>
-  </p:clrMapOvr>
-</p:sld>
-</file>
-
-<file path=ppt/slides/slide11.xml><?xml version="1.0" encoding="utf-8"?>
-<p:sld xmlns:a="http://schemas.openxmlformats.org/drawingml/2006/main" xmlns:r="http://schemas.openxmlformats.org/officeDocument/2006/relationships" xmlns:p="http://schemas.openxmlformats.org/presentationml/2006/main">
-  <p:cSld>
-    <p:spTree>
-      <p:nvGrpSpPr>
-        <p:cNvPr id="1" name=""/>
-        <p:cNvGrpSpPr/>
-        <p:nvPr/>
-      </p:nvGrpSpPr>
-      <p:grpSpPr>
-        <a:xfrm>
-          <a:off x="0" y="0"/>
-          <a:ext cx="0" cy="0"/>
-          <a:chOff x="0" y="0"/>
-          <a:chExt cx="0" cy="0"/>
-        </a:xfrm>
-      </p:grpSpPr>
-      <p:sp>
-        <p:nvSpPr>
-          <p:cNvPr id="2" name="標題 1">
-            <a:extLst>
-              <a:ext uri="{FF2B5EF4-FFF2-40B4-BE49-F238E27FC236}">
-                <a16:creationId xmlns:a16="http://schemas.microsoft.com/office/drawing/2014/main" id="{AC7E7472-21D5-752D-C98C-7E77FFA30E8C}"/>
-              </a:ext>
-            </a:extLst>
-          </p:cNvPr>
-          <p:cNvSpPr>
-            <a:spLocks noGrp="1"/>
-          </p:cNvSpPr>
-          <p:nvPr>
-            <p:ph type="title"/>
-          </p:nvPr>
-        </p:nvSpPr>
-        <p:spPr/>
-        <p:txBody>
-          <a:bodyPr/>
-          <a:lstStyle/>
-          <a:p>
-            <a:r>
-              <a:rPr lang="en-US" altLang="zh-TW" dirty="0"/>
-              <a:t>bitwise</a:t>
-            </a:r>
-            <a:r>
-              <a:rPr lang="zh-TW" altLang="en-US" dirty="0"/>
-              <a:t>訂位系統</a:t>
-            </a:r>
-          </a:p>
-        </p:txBody>
-      </p:sp>
-      <p:sp>
-        <p:nvSpPr>
-          <p:cNvPr id="4" name="投影片編號版面配置區 3">
-            <a:extLst>
-              <a:ext uri="{FF2B5EF4-FFF2-40B4-BE49-F238E27FC236}">
-                <a16:creationId xmlns:a16="http://schemas.microsoft.com/office/drawing/2014/main" id="{B73F64A5-BCDD-5352-A1D6-1EDE43F247D3}"/>
-              </a:ext>
-            </a:extLst>
-          </p:cNvPr>
-          <p:cNvSpPr>
-            <a:spLocks noGrp="1"/>
-          </p:cNvSpPr>
-          <p:nvPr>
-            <p:ph type="sldNum" sz="quarter" idx="12"/>
-          </p:nvPr>
-        </p:nvSpPr>
-        <p:spPr/>
-        <p:txBody>
-          <a:bodyPr/>
-          <a:lstStyle/>
-          <a:p>
-            <a:fld id="{1512FE53-A680-4333-9DFA-B0DA6636F011}" type="slidenum">
-              <a:rPr lang="zh-TW" altLang="en-US" smtClean="0"/>
-              <a:t>11</a:t>
             </a:fld>
             <a:endParaRPr lang="zh-TW" altLang="en-US"/>
           </a:p>
@@ -5049,6 +4740,15 @@
                 <a:latin typeface="Consolas" panose="020B0609020204030204" pitchFamily="49" charset="0"/>
               </a:rPr>
               <a:t>修改座位值後寫入資料庫</a:t>
+            </a:r>
+            <a:r>
+              <a:rPr lang="en-US" altLang="zh-TW" dirty="0">
+                <a:solidFill>
+                  <a:srgbClr val="000000"/>
+                </a:solidFill>
+                <a:latin typeface="Consolas" panose="020B0609020204030204" pitchFamily="49" charset="0"/>
+              </a:rPr>
+              <a:t>(13)</a:t>
             </a:r>
             <a:endParaRPr lang="zh-TW" altLang="en-US" dirty="0"/>
           </a:p>
@@ -5364,6 +5064,315 @@
 </p:sld>
 </file>
 
+<file path=ppt/slides/slide11.xml><?xml version="1.0" encoding="utf-8"?>
+<p:sld xmlns:a="http://schemas.openxmlformats.org/drawingml/2006/main" xmlns:r="http://schemas.openxmlformats.org/officeDocument/2006/relationships" xmlns:p="http://schemas.openxmlformats.org/presentationml/2006/main">
+  <p:cSld>
+    <p:spTree>
+      <p:nvGrpSpPr>
+        <p:cNvPr id="1" name=""/>
+        <p:cNvGrpSpPr/>
+        <p:nvPr/>
+      </p:nvGrpSpPr>
+      <p:grpSpPr>
+        <a:xfrm>
+          <a:off x="0" y="0"/>
+          <a:ext cx="0" cy="0"/>
+          <a:chOff x="0" y="0"/>
+          <a:chExt cx="0" cy="0"/>
+        </a:xfrm>
+      </p:grpSpPr>
+      <p:pic>
+        <p:nvPicPr>
+          <p:cNvPr id="9" name="圖片 8">
+            <a:extLst>
+              <a:ext uri="{FF2B5EF4-FFF2-40B4-BE49-F238E27FC236}">
+                <a16:creationId xmlns:a16="http://schemas.microsoft.com/office/drawing/2014/main" id="{A73A2E44-3435-805D-8662-C785212D92B5}"/>
+              </a:ext>
+            </a:extLst>
+          </p:cNvPr>
+          <p:cNvPicPr>
+            <a:picLocks noChangeAspect="1"/>
+          </p:cNvPicPr>
+          <p:nvPr/>
+        </p:nvPicPr>
+        <p:blipFill>
+          <a:blip r:embed="rId3" cstate="email">
+            <a:extLst>
+              <a:ext uri="{28A0092B-C50C-407E-A947-70E740481C1C}">
+                <a14:useLocalDpi xmlns:a14="http://schemas.microsoft.com/office/drawing/2010/main"/>
+              </a:ext>
+            </a:extLst>
+          </a:blip>
+          <a:stretch>
+            <a:fillRect/>
+          </a:stretch>
+        </p:blipFill>
+        <p:spPr>
+          <a:xfrm>
+            <a:off x="1313574" y="2614885"/>
+            <a:ext cx="9629728" cy="4034076"/>
+          </a:xfrm>
+          <a:prstGeom prst="rect">
+            <a:avLst/>
+          </a:prstGeom>
+        </p:spPr>
+      </p:pic>
+      <p:sp>
+        <p:nvSpPr>
+          <p:cNvPr id="2" name="標題 1">
+            <a:extLst>
+              <a:ext uri="{FF2B5EF4-FFF2-40B4-BE49-F238E27FC236}">
+                <a16:creationId xmlns:a16="http://schemas.microsoft.com/office/drawing/2014/main" id="{07959772-F713-9644-F918-BCA7CC639AC7}"/>
+              </a:ext>
+            </a:extLst>
+          </p:cNvPr>
+          <p:cNvSpPr>
+            <a:spLocks noGrp="1"/>
+          </p:cNvSpPr>
+          <p:nvPr>
+            <p:ph type="title"/>
+          </p:nvPr>
+        </p:nvSpPr>
+        <p:spPr/>
+        <p:txBody>
+          <a:bodyPr/>
+          <a:lstStyle/>
+          <a:p>
+            <a:r>
+              <a:rPr lang="en-US" altLang="zh-TW" dirty="0"/>
+              <a:t>Component Diagram</a:t>
+            </a:r>
+            <a:r>
+              <a:rPr lang="zh-TW" altLang="en-US" dirty="0"/>
+              <a:t> </a:t>
+            </a:r>
+            <a:r>
+              <a:rPr lang="en-US" altLang="zh-TW" dirty="0"/>
+              <a:t>-</a:t>
+            </a:r>
+            <a:r>
+              <a:rPr lang="zh-TW" altLang="en-US" dirty="0"/>
+              <a:t> </a:t>
+            </a:r>
+            <a:r>
+              <a:rPr lang="en-US" altLang="zh-TW" dirty="0"/>
+              <a:t>E01</a:t>
+            </a:r>
+            <a:r>
+              <a:rPr lang="zh-TW" altLang="en-US" dirty="0"/>
+              <a:t>會員登入</a:t>
+            </a:r>
+            <a:br>
+              <a:rPr lang="en-US" altLang="zh-TW" dirty="0"/>
+            </a:br>
+            <a:r>
+              <a:rPr lang="en-US" altLang="zh-TW" dirty="0"/>
+              <a:t>MVC</a:t>
+            </a:r>
+            <a:r>
+              <a:rPr lang="zh-TW" altLang="en-US" dirty="0"/>
+              <a:t>架構</a:t>
+            </a:r>
+          </a:p>
+        </p:txBody>
+      </p:sp>
+      <p:sp>
+        <p:nvSpPr>
+          <p:cNvPr id="4" name="投影片編號版面配置區 3">
+            <a:extLst>
+              <a:ext uri="{FF2B5EF4-FFF2-40B4-BE49-F238E27FC236}">
+                <a16:creationId xmlns:a16="http://schemas.microsoft.com/office/drawing/2014/main" id="{87E8FA91-CFA3-A051-57C7-A79EE628459E}"/>
+              </a:ext>
+            </a:extLst>
+          </p:cNvPr>
+          <p:cNvSpPr>
+            <a:spLocks noGrp="1"/>
+          </p:cNvSpPr>
+          <p:nvPr>
+            <p:ph type="sldNum" sz="quarter" idx="12"/>
+          </p:nvPr>
+        </p:nvSpPr>
+        <p:spPr/>
+        <p:txBody>
+          <a:bodyPr/>
+          <a:lstStyle/>
+          <a:p>
+            <a:fld id="{1512FE53-A680-4333-9DFA-B0DA6636F011}" type="slidenum">
+              <a:rPr lang="zh-TW" altLang="en-US" smtClean="0"/>
+              <a:t>11</a:t>
+            </a:fld>
+            <a:endParaRPr lang="zh-TW" altLang="en-US"/>
+          </a:p>
+        </p:txBody>
+      </p:sp>
+      <p:sp>
+        <p:nvSpPr>
+          <p:cNvPr id="5" name="頁尾版面配置區 4">
+            <a:extLst>
+              <a:ext uri="{FF2B5EF4-FFF2-40B4-BE49-F238E27FC236}">
+                <a16:creationId xmlns:a16="http://schemas.microsoft.com/office/drawing/2014/main" id="{548C46B7-CDD7-562C-6BDB-2110934BA10A}"/>
+              </a:ext>
+            </a:extLst>
+          </p:cNvPr>
+          <p:cNvSpPr>
+            <a:spLocks noGrp="1"/>
+          </p:cNvSpPr>
+          <p:nvPr>
+            <p:ph type="ftr" sz="quarter" idx="11"/>
+          </p:nvPr>
+        </p:nvSpPr>
+        <p:spPr/>
+        <p:txBody>
+          <a:bodyPr/>
+          <a:lstStyle/>
+          <a:p>
+            <a:r>
+              <a:rPr lang="zh-TW" altLang="en-US" dirty="0"/>
+              <a:t>發表人員：黃勝新</a:t>
+            </a:r>
+          </a:p>
+        </p:txBody>
+      </p:sp>
+      <p:sp>
+        <p:nvSpPr>
+          <p:cNvPr id="10" name="文字方塊 9">
+            <a:extLst>
+              <a:ext uri="{FF2B5EF4-FFF2-40B4-BE49-F238E27FC236}">
+                <a16:creationId xmlns:a16="http://schemas.microsoft.com/office/drawing/2014/main" id="{58B76560-94E1-9CE6-5879-02C0CB6BB215}"/>
+              </a:ext>
+            </a:extLst>
+          </p:cNvPr>
+          <p:cNvSpPr txBox="1"/>
+          <p:nvPr/>
+        </p:nvSpPr>
+        <p:spPr>
+          <a:xfrm>
+            <a:off x="2152650" y="4631923"/>
+            <a:ext cx="648383" cy="369332"/>
+          </a:xfrm>
+          <a:prstGeom prst="rect">
+            <a:avLst/>
+          </a:prstGeom>
+          <a:noFill/>
+        </p:spPr>
+        <p:txBody>
+          <a:bodyPr wrap="none" rtlCol="0">
+            <a:spAutoFit/>
+          </a:bodyPr>
+          <a:lstStyle/>
+          <a:p>
+            <a:r>
+              <a:rPr lang="en-US" altLang="zh-TW" dirty="0">
+                <a:solidFill>
+                  <a:srgbClr val="FF0000"/>
+                </a:solidFill>
+              </a:rPr>
+              <a:t>View</a:t>
+            </a:r>
+            <a:endParaRPr lang="zh-TW" altLang="en-US" dirty="0">
+              <a:solidFill>
+                <a:srgbClr val="FF0000"/>
+              </a:solidFill>
+            </a:endParaRPr>
+          </a:p>
+        </p:txBody>
+      </p:sp>
+      <p:sp>
+        <p:nvSpPr>
+          <p:cNvPr id="11" name="文字方塊 10">
+            <a:extLst>
+              <a:ext uri="{FF2B5EF4-FFF2-40B4-BE49-F238E27FC236}">
+                <a16:creationId xmlns:a16="http://schemas.microsoft.com/office/drawing/2014/main" id="{64B87B74-349F-7671-E2AB-CE6C80B3950A}"/>
+              </a:ext>
+            </a:extLst>
+          </p:cNvPr>
+          <p:cNvSpPr txBox="1"/>
+          <p:nvPr/>
+        </p:nvSpPr>
+        <p:spPr>
+          <a:xfrm>
+            <a:off x="3838575" y="2173040"/>
+            <a:ext cx="1126206" cy="369332"/>
+          </a:xfrm>
+          <a:prstGeom prst="rect">
+            <a:avLst/>
+          </a:prstGeom>
+          <a:noFill/>
+        </p:spPr>
+        <p:txBody>
+          <a:bodyPr wrap="none" rtlCol="0">
+            <a:spAutoFit/>
+          </a:bodyPr>
+          <a:lstStyle/>
+          <a:p>
+            <a:r>
+              <a:rPr lang="en-US" altLang="zh-TW" dirty="0">
+                <a:solidFill>
+                  <a:srgbClr val="FF0000"/>
+                </a:solidFill>
+              </a:rPr>
+              <a:t>Controller</a:t>
+            </a:r>
+            <a:endParaRPr lang="zh-TW" altLang="en-US" dirty="0">
+              <a:solidFill>
+                <a:srgbClr val="FF0000"/>
+              </a:solidFill>
+            </a:endParaRPr>
+          </a:p>
+        </p:txBody>
+      </p:sp>
+      <p:sp>
+        <p:nvSpPr>
+          <p:cNvPr id="12" name="文字方塊 11">
+            <a:extLst>
+              <a:ext uri="{FF2B5EF4-FFF2-40B4-BE49-F238E27FC236}">
+                <a16:creationId xmlns:a16="http://schemas.microsoft.com/office/drawing/2014/main" id="{6000A037-8C9F-A97B-2159-48D41E6E12A3}"/>
+              </a:ext>
+            </a:extLst>
+          </p:cNvPr>
+          <p:cNvSpPr txBox="1"/>
+          <p:nvPr/>
+        </p:nvSpPr>
+        <p:spPr>
+          <a:xfrm>
+            <a:off x="6657975" y="4631923"/>
+            <a:ext cx="793807" cy="369332"/>
+          </a:xfrm>
+          <a:prstGeom prst="rect">
+            <a:avLst/>
+          </a:prstGeom>
+          <a:noFill/>
+        </p:spPr>
+        <p:txBody>
+          <a:bodyPr wrap="none" rtlCol="0">
+            <a:spAutoFit/>
+          </a:bodyPr>
+          <a:lstStyle/>
+          <a:p>
+            <a:r>
+              <a:rPr lang="en-US" altLang="zh-TW" dirty="0">
+                <a:solidFill>
+                  <a:srgbClr val="FF0000"/>
+                </a:solidFill>
+              </a:rPr>
+              <a:t>Model</a:t>
+            </a:r>
+          </a:p>
+        </p:txBody>
+      </p:sp>
+    </p:spTree>
+    <p:extLst>
+      <p:ext uri="{BB962C8B-B14F-4D97-AF65-F5344CB8AC3E}">
+        <p14:creationId xmlns:p14="http://schemas.microsoft.com/office/powerpoint/2010/main" val="3107426003"/>
+      </p:ext>
+    </p:extLst>
+  </p:cSld>
+  <p:clrMapOvr>
+    <a:masterClrMapping/>
+  </p:clrMapOvr>
+</p:sld>
+</file>
+
 <file path=ppt/slides/slide2.xml><?xml version="1.0" encoding="utf-8"?>
 <p:sld xmlns:a="http://schemas.openxmlformats.org/drawingml/2006/main" xmlns:r="http://schemas.openxmlformats.org/officeDocument/2006/relationships" xmlns:p="http://schemas.openxmlformats.org/presentationml/2006/main">
   <p:cSld>
@@ -5737,6 +5746,89 @@
           <a:chExt cx="0" cy="0"/>
         </a:xfrm>
       </p:grpSpPr>
+      <p:pic>
+        <p:nvPicPr>
+          <p:cNvPr id="1026" name="Picture 2" descr="How to Use Git and GitHub – Version Control Basics for Beginners">
+            <a:extLst>
+              <a:ext uri="{FF2B5EF4-FFF2-40B4-BE49-F238E27FC236}">
+                <a16:creationId xmlns:a16="http://schemas.microsoft.com/office/drawing/2014/main" id="{594F5488-482F-AE97-C2CD-F8377BB7BB34}"/>
+              </a:ext>
+            </a:extLst>
+          </p:cNvPr>
+          <p:cNvPicPr>
+            <a:picLocks noChangeAspect="1" noChangeArrowheads="1"/>
+          </p:cNvPicPr>
+          <p:nvPr/>
+        </p:nvPicPr>
+        <p:blipFill>
+          <a:blip r:embed="rId2" cstate="email">
+            <a:extLst>
+              <a:ext uri="{28A0092B-C50C-407E-A947-70E740481C1C}">
+                <a14:useLocalDpi xmlns:a14="http://schemas.microsoft.com/office/drawing/2010/main"/>
+              </a:ext>
+            </a:extLst>
+          </a:blip>
+          <a:srcRect/>
+          <a:stretch>
+            <a:fillRect/>
+          </a:stretch>
+        </p:blipFill>
+        <p:spPr bwMode="auto">
+          <a:xfrm>
+            <a:off x="9540589" y="5395911"/>
+            <a:ext cx="2360053" cy="1325563"/>
+          </a:xfrm>
+          <a:prstGeom prst="rect">
+            <a:avLst/>
+          </a:prstGeom>
+          <a:noFill/>
+          <a:extLst>
+            <a:ext uri="{909E8E84-426E-40DD-AFC4-6F175D3DCCD1}">
+              <a14:hiddenFill xmlns:a14="http://schemas.microsoft.com/office/drawing/2010/main">
+                <a:solidFill>
+                  <a:srgbClr val="FFFFFF"/>
+                </a:solidFill>
+              </a14:hiddenFill>
+            </a:ext>
+          </a:extLst>
+        </p:spPr>
+      </p:pic>
+      <p:pic>
+        <p:nvPicPr>
+          <p:cNvPr id="9" name="圖片 8">
+            <a:extLst>
+              <a:ext uri="{FF2B5EF4-FFF2-40B4-BE49-F238E27FC236}">
+                <a16:creationId xmlns:a16="http://schemas.microsoft.com/office/drawing/2014/main" id="{050F1978-64BA-1372-2D03-B3E1B532732F}"/>
+              </a:ext>
+            </a:extLst>
+          </p:cNvPr>
+          <p:cNvPicPr>
+            <a:picLocks noChangeAspect="1"/>
+          </p:cNvPicPr>
+          <p:nvPr/>
+        </p:nvPicPr>
+        <p:blipFill>
+          <a:blip r:embed="rId3">
+            <a:extLst>
+              <a:ext uri="{28A0092B-C50C-407E-A947-70E740481C1C}">
+                <a14:useLocalDpi xmlns:a14="http://schemas.microsoft.com/office/drawing/2010/main"/>
+              </a:ext>
+            </a:extLst>
+          </a:blip>
+          <a:stretch>
+            <a:fillRect/>
+          </a:stretch>
+        </p:blipFill>
+        <p:spPr>
+          <a:xfrm>
+            <a:off x="968089" y="1349374"/>
+            <a:ext cx="8572500" cy="5372100"/>
+          </a:xfrm>
+          <a:prstGeom prst="rect">
+            <a:avLst/>
+          </a:prstGeom>
+        </p:spPr>
+      </p:pic>
       <p:sp>
         <p:nvSpPr>
           <p:cNvPr id="2" name="標題 1">
@@ -5823,97 +5915,6 @@
           </a:p>
         </p:txBody>
       </p:sp>
-      <p:grpSp>
-        <p:nvGrpSpPr>
-          <p:cNvPr id="8" name="群組 7">
-            <a:extLst>
-              <a:ext uri="{FF2B5EF4-FFF2-40B4-BE49-F238E27FC236}">
-                <a16:creationId xmlns:a16="http://schemas.microsoft.com/office/drawing/2014/main" id="{494457CD-8EE1-99E1-54A6-5A587616A2A1}"/>
-              </a:ext>
-            </a:extLst>
-          </p:cNvPr>
-          <p:cNvGrpSpPr/>
-          <p:nvPr/>
-        </p:nvGrpSpPr>
-        <p:grpSpPr>
-          <a:xfrm>
-            <a:off x="1808544" y="1481559"/>
-            <a:ext cx="8574911" cy="5376441"/>
-            <a:chOff x="0" y="1388959"/>
-            <a:chExt cx="8574911" cy="5376441"/>
-          </a:xfrm>
-        </p:grpSpPr>
-        <p:pic>
-          <p:nvPicPr>
-            <p:cNvPr id="6" name="圖片 5">
-              <a:extLst>
-                <a:ext uri="{FF2B5EF4-FFF2-40B4-BE49-F238E27FC236}">
-                  <a16:creationId xmlns:a16="http://schemas.microsoft.com/office/drawing/2014/main" id="{326E5D87-E3D6-D0F9-60DB-D069898CF5D0}"/>
-                </a:ext>
-              </a:extLst>
-            </p:cNvPr>
-            <p:cNvPicPr>
-              <a:picLocks noChangeAspect="1"/>
-            </p:cNvPicPr>
-            <p:nvPr/>
-          </p:nvPicPr>
-          <p:blipFill rotWithShape="1">
-            <a:blip r:embed="rId2" cstate="email">
-              <a:extLst>
-                <a:ext uri="{28A0092B-C50C-407E-A947-70E740481C1C}">
-                  <a14:useLocalDpi xmlns:a14="http://schemas.microsoft.com/office/drawing/2010/main"/>
-                </a:ext>
-              </a:extLst>
-            </a:blip>
-            <a:srcRect/>
-            <a:stretch/>
-          </p:blipFill>
-          <p:spPr>
-            <a:xfrm>
-              <a:off x="0" y="1388959"/>
-              <a:ext cx="8574911" cy="4097441"/>
-            </a:xfrm>
-            <a:prstGeom prst="rect">
-              <a:avLst/>
-            </a:prstGeom>
-          </p:spPr>
-        </p:pic>
-        <p:pic>
-          <p:nvPicPr>
-            <p:cNvPr id="7" name="圖片 6">
-              <a:extLst>
-                <a:ext uri="{FF2B5EF4-FFF2-40B4-BE49-F238E27FC236}">
-                  <a16:creationId xmlns:a16="http://schemas.microsoft.com/office/drawing/2014/main" id="{AB74CF7C-8340-816E-97E9-60D9CC020F3F}"/>
-                </a:ext>
-              </a:extLst>
-            </p:cNvPr>
-            <p:cNvPicPr>
-              <a:picLocks noChangeAspect="1"/>
-            </p:cNvPicPr>
-            <p:nvPr/>
-          </p:nvPicPr>
-          <p:blipFill rotWithShape="1">
-            <a:blip r:embed="rId3" cstate="email">
-              <a:extLst>
-                <a:ext uri="{28A0092B-C50C-407E-A947-70E740481C1C}">
-                  <a14:useLocalDpi xmlns:a14="http://schemas.microsoft.com/office/drawing/2010/main"/>
-                </a:ext>
-              </a:extLst>
-            </a:blip>
-            <a:srcRect/>
-            <a:stretch/>
-          </p:blipFill>
-          <p:spPr>
-            <a:xfrm>
-              <a:off x="0" y="5487884"/>
-              <a:ext cx="8574911" cy="1277516"/>
-            </a:xfrm>
-            <a:prstGeom prst="rect">
-              <a:avLst/>
-            </a:prstGeom>
-          </p:spPr>
-        </p:pic>
-      </p:grpSp>
     </p:spTree>
     <p:extLst>
       <p:ext uri="{BB962C8B-B14F-4D97-AF65-F5344CB8AC3E}">
@@ -7032,28 +7033,6 @@
               <a:t>Warm Cuisine Site</a:t>
             </a:r>
             <a:endParaRPr lang="en-US" altLang="zh-TW" sz="4800" dirty="0"/>
-          </a:p>
-          <a:p>
-            <a:pPr marL="0" indent="0" algn="ctr">
-              <a:buNone/>
-            </a:pPr>
-            <a:r>
-              <a:rPr lang="en-US" altLang="zh-TW" sz="4800" dirty="0">
-                <a:hlinkClick r:id="rId3"/>
-              </a:rPr>
-              <a:t>Warm Cuisine Site</a:t>
-            </a:r>
-            <a:r>
-              <a:rPr lang="en-US" altLang="zh-TW" sz="4800" dirty="0"/>
-              <a:t>1</a:t>
-            </a:r>
-            <a:endParaRPr lang="zh-TW" altLang="en-US" sz="4800" dirty="0"/>
-          </a:p>
-          <a:p>
-            <a:pPr marL="0" indent="0" algn="ctr">
-              <a:buNone/>
-            </a:pPr>
-            <a:endParaRPr lang="zh-TW" altLang="en-US" sz="4800" dirty="0"/>
           </a:p>
         </p:txBody>
       </p:sp>

--- a/WonderfuClothesSell_Lib/powerpointandOthers/5626黃勝新專題簡報.pptx
+++ b/WonderfuClothesSell_Lib/powerpointandOthers/5626黃勝新專題簡報.pptx
@@ -5061,6 +5061,13 @@
   <p:clrMapOvr>
     <a:masterClrMapping/>
   </p:clrMapOvr>
+  <p:timing>
+    <p:tnLst>
+      <p:par>
+        <p:cTn id="1" dur="indefinite" restart="never" nodeType="tmRoot"/>
+      </p:par>
+    </p:tnLst>
+  </p:timing>
 </p:sld>
 </file>
 
@@ -5161,6 +5168,10 @@
             <a:r>
               <a:rPr lang="zh-TW" altLang="en-US" dirty="0"/>
               <a:t>會員登入</a:t>
+            </a:r>
+            <a:r>
+              <a:rPr lang="en-US" altLang="zh-TW" dirty="0"/>
+              <a:t/>
             </a:r>
             <a:br>
               <a:rPr lang="en-US" altLang="zh-TW" dirty="0"/>
@@ -6952,6 +6963,13 @@
   <p:clrMapOvr>
     <a:masterClrMapping/>
   </p:clrMapOvr>
+  <p:timing>
+    <p:tnLst>
+      <p:par>
+        <p:cTn id="1" dur="indefinite" restart="never" nodeType="tmRoot"/>
+      </p:par>
+    </p:tnLst>
+  </p:timing>
 </p:sld>
 </file>
 
@@ -7104,6 +7122,13 @@
   <p:clrMapOvr>
     <a:masterClrMapping/>
   </p:clrMapOvr>
+  <p:timing>
+    <p:tnLst>
+      <p:par>
+        <p:cTn id="1" dur="indefinite" restart="never" nodeType="tmRoot"/>
+      </p:par>
+    </p:tnLst>
+  </p:timing>
 </p:sld>
 </file>
 
